--- a/resources/localization/framework.pptx
+++ b/resources/localization/framework.pptx
@@ -104,7 +104,105 @@
       </a:defRPr>
     </a:lvl9pPr>
   </p:defaultTextStyle>
+  <p:extLst>
+    <p:ext uri="{EFAFB233-063F-42B5-8137-9DF3F51BA10A}">
+      <p15:sldGuideLst xmlns:p15="http://schemas.microsoft.com/office/powerpoint/2012/main"/>
+    </p:ext>
+  </p:extLst>
 </p:presentation>
+</file>
+
+<file path=ppt/changesInfos/changesInfo1.xml><?xml version="1.0" encoding="utf-8"?>
+<pc:chgInfo xmlns:a="http://schemas.openxmlformats.org/drawingml/2006/main" xmlns:r="http://schemas.openxmlformats.org/officeDocument/2006/relationships" xmlns:ac="http://schemas.microsoft.com/office/drawing/2013/main/command" xmlns:pc="http://schemas.microsoft.com/office/powerpoint/2013/main/command">
+  <pc:docChgLst>
+    <pc:chgData name="翔 高" userId="1a7361d22c554503" providerId="LiveId" clId="{CAC9ADE4-F3D6-449E-8ADA-9AEDD78EC9DE}"/>
+    <pc:docChg chg="modSld">
+      <pc:chgData name="翔 高" userId="1a7361d22c554503" providerId="LiveId" clId="{CAC9ADE4-F3D6-449E-8ADA-9AEDD78EC9DE}" dt="2025-07-11T06:56:20.720" v="152" actId="20577"/>
+      <pc:docMkLst>
+        <pc:docMk/>
+      </pc:docMkLst>
+      <pc:sldChg chg="modSp mod">
+        <pc:chgData name="翔 高" userId="1a7361d22c554503" providerId="LiveId" clId="{CAC9ADE4-F3D6-449E-8ADA-9AEDD78EC9DE}" dt="2025-07-11T06:56:20.720" v="152" actId="20577"/>
+        <pc:sldMkLst>
+          <pc:docMk/>
+          <pc:sldMk cId="1888561941" sldId="259"/>
+        </pc:sldMkLst>
+        <pc:spChg chg="mod">
+          <ac:chgData name="翔 高" userId="1a7361d22c554503" providerId="LiveId" clId="{CAC9ADE4-F3D6-449E-8ADA-9AEDD78EC9DE}" dt="2025-07-11T06:56:13.118" v="133" actId="20577"/>
+          <ac:spMkLst>
+            <pc:docMk/>
+            <pc:sldMk cId="1888561941" sldId="259"/>
+            <ac:spMk id="11" creationId="{A7E0E4D4-2651-313A-8D2D-1778FC5E47E6}"/>
+          </ac:spMkLst>
+        </pc:spChg>
+        <pc:spChg chg="mod">
+          <ac:chgData name="翔 高" userId="1a7361d22c554503" providerId="LiveId" clId="{CAC9ADE4-F3D6-449E-8ADA-9AEDD78EC9DE}" dt="2025-07-11T06:56:20.720" v="152" actId="20577"/>
+          <ac:spMkLst>
+            <pc:docMk/>
+            <pc:sldMk cId="1888561941" sldId="259"/>
+            <ac:spMk id="13" creationId="{DB7C0B95-8253-6BA3-C6E1-DB9E836B1D7C}"/>
+          </ac:spMkLst>
+        </pc:spChg>
+        <pc:spChg chg="mod">
+          <ac:chgData name="翔 高" userId="1a7361d22c554503" providerId="LiveId" clId="{CAC9ADE4-F3D6-449E-8ADA-9AEDD78EC9DE}" dt="2025-07-11T06:55:25.431" v="21" actId="20577"/>
+          <ac:spMkLst>
+            <pc:docMk/>
+            <pc:sldMk cId="1888561941" sldId="259"/>
+            <ac:spMk id="64" creationId="{DE750BEA-D4F9-F2E7-A000-35C78EE56FA8}"/>
+          </ac:spMkLst>
+        </pc:spChg>
+        <pc:spChg chg="mod">
+          <ac:chgData name="翔 高" userId="1a7361d22c554503" providerId="LiveId" clId="{CAC9ADE4-F3D6-449E-8ADA-9AEDD78EC9DE}" dt="2025-07-11T06:55:42.234" v="68" actId="20577"/>
+          <ac:spMkLst>
+            <pc:docMk/>
+            <pc:sldMk cId="1888561941" sldId="259"/>
+            <ac:spMk id="65" creationId="{1E29A550-C3B6-10F5-9CAD-ABF588337CE3}"/>
+          </ac:spMkLst>
+        </pc:spChg>
+        <pc:spChg chg="mod">
+          <ac:chgData name="翔 高" userId="1a7361d22c554503" providerId="LiveId" clId="{CAC9ADE4-F3D6-449E-8ADA-9AEDD78EC9DE}" dt="2025-07-11T06:55:54.215" v="99" actId="20577"/>
+          <ac:spMkLst>
+            <pc:docMk/>
+            <pc:sldMk cId="1888561941" sldId="259"/>
+            <ac:spMk id="66" creationId="{74549D71-D6E5-618E-27A8-F2EFA58D0243}"/>
+          </ac:spMkLst>
+        </pc:spChg>
+        <pc:spChg chg="mod">
+          <ac:chgData name="翔 高" userId="1a7361d22c554503" providerId="LiveId" clId="{CAC9ADE4-F3D6-449E-8ADA-9AEDD78EC9DE}" dt="2025-07-11T06:55:29.847" v="36" actId="20577"/>
+          <ac:spMkLst>
+            <pc:docMk/>
+            <pc:sldMk cId="1888561941" sldId="259"/>
+            <ac:spMk id="84" creationId="{7ACEAE62-53D5-0420-C188-93E411B3ABF5}"/>
+          </ac:spMkLst>
+        </pc:spChg>
+        <pc:spChg chg="mod">
+          <ac:chgData name="翔 高" userId="1a7361d22c554503" providerId="LiveId" clId="{CAC9ADE4-F3D6-449E-8ADA-9AEDD78EC9DE}" dt="2025-07-11T06:56:06.786" v="116" actId="20577"/>
+          <ac:spMkLst>
+            <pc:docMk/>
+            <pc:sldMk cId="1888561941" sldId="259"/>
+            <ac:spMk id="89" creationId="{C351C04D-9284-6A8D-D25D-21C7A26C27C7}"/>
+          </ac:spMkLst>
+        </pc:spChg>
+        <pc:spChg chg="mod">
+          <ac:chgData name="翔 高" userId="1a7361d22c554503" providerId="LiveId" clId="{CAC9ADE4-F3D6-449E-8ADA-9AEDD78EC9DE}" dt="2025-07-11T06:56:03.846" v="110" actId="1076"/>
+          <ac:spMkLst>
+            <pc:docMk/>
+            <pc:sldMk cId="1888561941" sldId="259"/>
+            <ac:spMk id="95" creationId="{76143724-A748-89A4-D9D9-A40A212B097A}"/>
+          </ac:spMkLst>
+        </pc:spChg>
+        <pc:spChg chg="mod">
+          <ac:chgData name="翔 高" userId="1a7361d22c554503" providerId="LiveId" clId="{CAC9ADE4-F3D6-449E-8ADA-9AEDD78EC9DE}" dt="2025-07-11T06:55:47.358" v="77" actId="20577"/>
+          <ac:spMkLst>
+            <pc:docMk/>
+            <pc:sldMk cId="1888561941" sldId="259"/>
+            <ac:spMk id="99" creationId="{A8AA9079-3B33-E6F5-3BCD-D0106E151B50}"/>
+          </ac:spMkLst>
+        </pc:spChg>
+      </pc:sldChg>
+    </pc:docChg>
+  </pc:docChgLst>
+</pc:chgInfo>
 </file>
 
 <file path=ppt/slideLayouts/slideLayout1.xml><?xml version="1.0" encoding="utf-8"?>
@@ -254,7 +352,7 @@
           <a:p>
             <a:fld id="{3DDDF099-2942-C44D-B1A9-E85E35256A0C}" type="datetimeFigureOut">
               <a:rPr kumimoji="1" lang="zh-CN" altLang="en-US" smtClean="0"/>
-              <a:t>2022/12/6</a:t>
+              <a:t>2025/7/11</a:t>
             </a:fld>
             <a:endParaRPr kumimoji="1" lang="zh-CN" altLang="en-US"/>
           </a:p>
@@ -452,7 +550,7 @@
           <a:p>
             <a:fld id="{3DDDF099-2942-C44D-B1A9-E85E35256A0C}" type="datetimeFigureOut">
               <a:rPr kumimoji="1" lang="zh-CN" altLang="en-US" smtClean="0"/>
-              <a:t>2022/12/6</a:t>
+              <a:t>2025/7/11</a:t>
             </a:fld>
             <a:endParaRPr kumimoji="1" lang="zh-CN" altLang="en-US"/>
           </a:p>
@@ -660,7 +758,7 @@
           <a:p>
             <a:fld id="{3DDDF099-2942-C44D-B1A9-E85E35256A0C}" type="datetimeFigureOut">
               <a:rPr kumimoji="1" lang="zh-CN" altLang="en-US" smtClean="0"/>
-              <a:t>2022/12/6</a:t>
+              <a:t>2025/7/11</a:t>
             </a:fld>
             <a:endParaRPr kumimoji="1" lang="zh-CN" altLang="en-US"/>
           </a:p>
@@ -858,7 +956,7 @@
           <a:p>
             <a:fld id="{3DDDF099-2942-C44D-B1A9-E85E35256A0C}" type="datetimeFigureOut">
               <a:rPr kumimoji="1" lang="zh-CN" altLang="en-US" smtClean="0"/>
-              <a:t>2022/12/6</a:t>
+              <a:t>2025/7/11</a:t>
             </a:fld>
             <a:endParaRPr kumimoji="1" lang="zh-CN" altLang="en-US"/>
           </a:p>
@@ -1133,7 +1231,7 @@
           <a:p>
             <a:fld id="{3DDDF099-2942-C44D-B1A9-E85E35256A0C}" type="datetimeFigureOut">
               <a:rPr kumimoji="1" lang="zh-CN" altLang="en-US" smtClean="0"/>
-              <a:t>2022/12/6</a:t>
+              <a:t>2025/7/11</a:t>
             </a:fld>
             <a:endParaRPr kumimoji="1" lang="zh-CN" altLang="en-US"/>
           </a:p>
@@ -1398,7 +1496,7 @@
           <a:p>
             <a:fld id="{3DDDF099-2942-C44D-B1A9-E85E35256A0C}" type="datetimeFigureOut">
               <a:rPr kumimoji="1" lang="zh-CN" altLang="en-US" smtClean="0"/>
-              <a:t>2022/12/6</a:t>
+              <a:t>2025/7/11</a:t>
             </a:fld>
             <a:endParaRPr kumimoji="1" lang="zh-CN" altLang="en-US"/>
           </a:p>
@@ -1810,7 +1908,7 @@
           <a:p>
             <a:fld id="{3DDDF099-2942-C44D-B1A9-E85E35256A0C}" type="datetimeFigureOut">
               <a:rPr kumimoji="1" lang="zh-CN" altLang="en-US" smtClean="0"/>
-              <a:t>2022/12/6</a:t>
+              <a:t>2025/7/11</a:t>
             </a:fld>
             <a:endParaRPr kumimoji="1" lang="zh-CN" altLang="en-US"/>
           </a:p>
@@ -1951,7 +2049,7 @@
           <a:p>
             <a:fld id="{3DDDF099-2942-C44D-B1A9-E85E35256A0C}" type="datetimeFigureOut">
               <a:rPr kumimoji="1" lang="zh-CN" altLang="en-US" smtClean="0"/>
-              <a:t>2022/12/6</a:t>
+              <a:t>2025/7/11</a:t>
             </a:fld>
             <a:endParaRPr kumimoji="1" lang="zh-CN" altLang="en-US"/>
           </a:p>
@@ -2064,7 +2162,7 @@
           <a:p>
             <a:fld id="{3DDDF099-2942-C44D-B1A9-E85E35256A0C}" type="datetimeFigureOut">
               <a:rPr kumimoji="1" lang="zh-CN" altLang="en-US" smtClean="0"/>
-              <a:t>2022/12/6</a:t>
+              <a:t>2025/7/11</a:t>
             </a:fld>
             <a:endParaRPr kumimoji="1" lang="zh-CN" altLang="en-US"/>
           </a:p>
@@ -2375,7 +2473,7 @@
           <a:p>
             <a:fld id="{3DDDF099-2942-C44D-B1A9-E85E35256A0C}" type="datetimeFigureOut">
               <a:rPr kumimoji="1" lang="zh-CN" altLang="en-US" smtClean="0"/>
-              <a:t>2022/12/6</a:t>
+              <a:t>2025/7/11</a:t>
             </a:fld>
             <a:endParaRPr kumimoji="1" lang="zh-CN" altLang="en-US"/>
           </a:p>
@@ -2663,7 +2761,7 @@
           <a:p>
             <a:fld id="{3DDDF099-2942-C44D-B1A9-E85E35256A0C}" type="datetimeFigureOut">
               <a:rPr kumimoji="1" lang="zh-CN" altLang="en-US" smtClean="0"/>
-              <a:t>2022/12/6</a:t>
+              <a:t>2025/7/11</a:t>
             </a:fld>
             <a:endParaRPr kumimoji="1" lang="zh-CN" altLang="en-US"/>
           </a:p>
@@ -2904,7 +3002,7 @@
           <a:p>
             <a:fld id="{3DDDF099-2942-C44D-B1A9-E85E35256A0C}" type="datetimeFigureOut">
               <a:rPr kumimoji="1" lang="zh-CN" altLang="en-US" smtClean="0"/>
-              <a:t>2022/12/6</a:t>
+              <a:t>2025/7/11</a:t>
             </a:fld>
             <a:endParaRPr kumimoji="1" lang="zh-CN" altLang="en-US"/>
           </a:p>
@@ -3534,10 +3632,9 @@
           <a:p>
             <a:pPr algn="ctr"/>
             <a:r>
-              <a:rPr kumimoji="1" lang="zh-CN" altLang="en-US" dirty="0"/>
-              <a:t>卡尔曼滤波器</a:t>
-            </a:r>
-            <a:endParaRPr kumimoji="1" lang="en-US" altLang="zh-CN" dirty="0"/>
+              <a:rPr kumimoji="1" lang="en-US" altLang="zh-CN" dirty="0"/>
+              <a:t>Kalman Filter</a:t>
+            </a:r>
           </a:p>
         </p:txBody>
       </p:sp>
@@ -3589,9 +3686,10 @@
           <a:p>
             <a:pPr algn="ctr"/>
             <a:r>
-              <a:rPr kumimoji="1" lang="zh-CN" altLang="en-US" dirty="0"/>
-              <a:t>输出定位信息</a:t>
-            </a:r>
+              <a:rPr kumimoji="1" lang="en-US" altLang="zh-CN" dirty="0"/>
+              <a:t>Localization Result</a:t>
+            </a:r>
+            <a:endParaRPr kumimoji="1" lang="zh-CN" altLang="en-US" dirty="0"/>
           </a:p>
         </p:txBody>
       </p:sp>
@@ -3683,9 +3781,10 @@
           <a:p>
             <a:pPr algn="ctr"/>
             <a:r>
-              <a:rPr kumimoji="1" lang="zh-CN" altLang="en-US" dirty="0"/>
-              <a:t>点云地图</a:t>
-            </a:r>
+              <a:rPr kumimoji="1" lang="en-US" altLang="zh-CN" dirty="0"/>
+              <a:t>Point Cloud Map</a:t>
+            </a:r>
+            <a:endParaRPr kumimoji="1" lang="zh-CN" altLang="en-US" dirty="0"/>
           </a:p>
         </p:txBody>
       </p:sp>
@@ -3737,18 +3836,9 @@
           <a:p>
             <a:pPr algn="ctr"/>
             <a:r>
-              <a:rPr kumimoji="1" lang="zh-CN" altLang="en-US" dirty="0"/>
-              <a:t>初始化</a:t>
-            </a:r>
-            <a:endParaRPr kumimoji="1" lang="en-US" altLang="zh-CN" dirty="0"/>
-          </a:p>
-          <a:p>
-            <a:pPr algn="ctr"/>
-            <a:r>
-              <a:rPr kumimoji="1" lang="zh-CN" altLang="en-US" dirty="0"/>
-              <a:t>网格搜索</a:t>
-            </a:r>
-            <a:endParaRPr kumimoji="1" lang="en-US" altLang="zh-CN" dirty="0"/>
+              <a:rPr kumimoji="1" lang="en-US" altLang="zh-CN" dirty="0"/>
+              <a:t>Grid Search for Initialization</a:t>
+            </a:r>
           </a:p>
         </p:txBody>
       </p:sp>
@@ -3800,9 +3890,10 @@
           <a:p>
             <a:pPr algn="ctr"/>
             <a:r>
-              <a:rPr kumimoji="1" lang="zh-CN" altLang="en-US" dirty="0"/>
-              <a:t>激光定位</a:t>
-            </a:r>
+              <a:rPr kumimoji="1" lang="en-US" altLang="zh-CN" dirty="0"/>
+              <a:t>Lidar Localization</a:t>
+            </a:r>
+            <a:endParaRPr kumimoji="1" lang="zh-CN" altLang="en-US" dirty="0"/>
           </a:p>
         </p:txBody>
       </p:sp>
@@ -4040,7 +4131,7 @@
         <p:spPr>
           <a:xfrm>
             <a:off x="2452255" y="4662801"/>
-            <a:ext cx="1093569" cy="369332"/>
+            <a:ext cx="1877437" cy="369332"/>
           </a:xfrm>
           <a:prstGeom prst="rect">
             <a:avLst/>
@@ -4059,8 +4150,13 @@
             </a:r>
             <a:r>
               <a:rPr kumimoji="1" lang="zh-CN" altLang="en-US" dirty="0"/>
-              <a:t>配准</a:t>
-            </a:r>
+              <a:t> </a:t>
+            </a:r>
+            <a:r>
+              <a:rPr kumimoji="1" lang="en-US" altLang="zh-CN" dirty="0"/>
+              <a:t>Registration</a:t>
+            </a:r>
+            <a:endParaRPr kumimoji="1" lang="zh-CN" altLang="en-US" dirty="0"/>
           </a:p>
         </p:txBody>
       </p:sp>
@@ -4122,7 +4218,7 @@
         <p:spPr>
           <a:xfrm>
             <a:off x="7050590" y="3617481"/>
-            <a:ext cx="646331" cy="369332"/>
+            <a:ext cx="912429" cy="369332"/>
           </a:xfrm>
           <a:prstGeom prst="rect">
             <a:avLst/>
@@ -4136,9 +4232,10 @@
           <a:lstStyle/>
           <a:p>
             <a:r>
-              <a:rPr kumimoji="1" lang="zh-CN" altLang="en-US" dirty="0"/>
-              <a:t>更新</a:t>
-            </a:r>
+              <a:rPr kumimoji="1" lang="en-US" altLang="zh-CN" dirty="0"/>
+              <a:t>Update</a:t>
+            </a:r>
+            <a:endParaRPr kumimoji="1" lang="zh-CN" altLang="en-US" dirty="0"/>
           </a:p>
         </p:txBody>
       </p:sp>
@@ -4199,8 +4296,8 @@
         </p:nvSpPr>
         <p:spPr>
           <a:xfrm>
-            <a:off x="7058238" y="3059668"/>
-            <a:ext cx="646331" cy="369332"/>
+            <a:off x="6861773" y="3083450"/>
+            <a:ext cx="1181734" cy="369332"/>
           </a:xfrm>
           <a:prstGeom prst="rect">
             <a:avLst/>
@@ -4214,10 +4311,9 @@
           <a:lstStyle/>
           <a:p>
             <a:r>
-              <a:rPr kumimoji="1" lang="zh-CN" altLang="en-US" dirty="0"/>
-              <a:t>预测</a:t>
-            </a:r>
-            <a:endParaRPr kumimoji="1" lang="en-US" altLang="zh-CN" dirty="0"/>
+              <a:rPr kumimoji="1" lang="en-US" altLang="zh-CN" dirty="0"/>
+              <a:t>Prediction</a:t>
+            </a:r>
           </a:p>
         </p:txBody>
       </p:sp>
@@ -4278,7 +4374,7 @@
         <p:spPr>
           <a:xfrm>
             <a:off x="3756336" y="2908721"/>
-            <a:ext cx="1107996" cy="369332"/>
+            <a:ext cx="1029449" cy="369332"/>
           </a:xfrm>
           <a:prstGeom prst="rect">
             <a:avLst/>
@@ -4292,9 +4388,10 @@
           <a:lstStyle/>
           <a:p>
             <a:r>
-              <a:rPr kumimoji="1" lang="zh-CN" altLang="en-US" dirty="0"/>
-              <a:t>初始位置</a:t>
-            </a:r>
+              <a:rPr kumimoji="1" lang="en-US" altLang="zh-CN" dirty="0"/>
+              <a:t>Init Pose</a:t>
+            </a:r>
+            <a:endParaRPr kumimoji="1" lang="zh-CN" altLang="en-US" dirty="0"/>
           </a:p>
         </p:txBody>
       </p:sp>
